--- a/powerpoint/scc_darwinstheory.pptx
+++ b/powerpoint/scc_darwinstheory.pptx
@@ -198,7 +198,7 @@
           <a:p>
             <a:fld id="{BE5DEE22-3F5B-46A1-B79F-D243FB95CD02}" type="datetimeFigureOut">
               <a:rPr lang="fr-FR" smtClean="0"/>
-              <a:t>01/12/2014</a:t>
+              <a:t>05/01/2015</a:t>
             </a:fld>
             <a:endParaRPr lang="fr-FR"/>
           </a:p>
@@ -520,30 +520,22 @@
             </a:r>
             <a:r>
               <a:rPr lang="fr-FR" dirty="0" smtClean="0"/>
-              <a:t> </a:t>
+              <a:t> je </a:t>
             </a:r>
             <a:r>
               <a:rPr lang="fr-FR" dirty="0" smtClean="0"/>
-              <a:t>je m’appelle Adrien DA</a:t>
+              <a:t>m’appelle</a:t>
             </a:r>
             <a:r>
               <a:rPr lang="fr-FR" baseline="0" dirty="0" smtClean="0"/>
-              <a:t> SILVA </a:t>
-            </a:r>
+              <a:t> X</a:t>
+            </a:r>
+            <a:endParaRPr lang="fr-FR" baseline="0" dirty="0" smtClean="0"/>
+          </a:p>
+          <a:p>
             <a:r>
               <a:rPr lang="fr-FR" baseline="0" dirty="0" smtClean="0"/>
-              <a:t>GOMES</a:t>
-            </a:r>
-            <a:endParaRPr lang="fr-FR" baseline="0" dirty="0" smtClean="0"/>
-          </a:p>
-          <a:p>
-            <a:r>
-              <a:rPr lang="fr-FR" baseline="0" dirty="0" smtClean="0"/>
-              <a:t>Je </a:t>
-            </a:r>
-            <a:r>
-              <a:rPr lang="fr-FR" baseline="0" dirty="0" smtClean="0"/>
-              <a:t>représente le groupe de projet « </a:t>
+              <a:t>Je représente le groupe de projet « </a:t>
             </a:r>
             <a:r>
               <a:rPr lang="fr-FR" baseline="0" dirty="0" err="1" smtClean="0"/>
@@ -559,11 +551,7 @@
             </a:r>
             <a:r>
               <a:rPr lang="fr-FR" baseline="0" dirty="0" smtClean="0"/>
-              <a:t> », </a:t>
-            </a:r>
-            <a:r>
-              <a:rPr lang="fr-FR" baseline="0" dirty="0" smtClean="0"/>
-              <a:t>qui est un </a:t>
+              <a:t> », qui est un </a:t>
             </a:r>
             <a:r>
               <a:rPr lang="fr-FR" baseline="0" dirty="0" err="1" smtClean="0"/>
@@ -1489,7 +1477,7 @@
           <a:p>
             <a:fld id="{792077A6-6BFE-45C0-82BA-02D105615553}" type="datetimeFigureOut">
               <a:rPr lang="fr-FR" smtClean="0"/>
-              <a:t>01/12/2014</a:t>
+              <a:t>05/01/2015</a:t>
             </a:fld>
             <a:endParaRPr lang="fr-FR"/>
           </a:p>
@@ -1740,7 +1728,7 @@
           <a:p>
             <a:fld id="{792077A6-6BFE-45C0-82BA-02D105615553}" type="datetimeFigureOut">
               <a:rPr lang="fr-FR" smtClean="0"/>
-              <a:t>01/12/2014</a:t>
+              <a:t>05/01/2015</a:t>
             </a:fld>
             <a:endParaRPr lang="fr-FR"/>
           </a:p>
@@ -2054,7 +2042,7 @@
           <a:p>
             <a:fld id="{792077A6-6BFE-45C0-82BA-02D105615553}" type="datetimeFigureOut">
               <a:rPr lang="fr-FR" smtClean="0"/>
-              <a:t>01/12/2014</a:t>
+              <a:t>05/01/2015</a:t>
             </a:fld>
             <a:endParaRPr lang="fr-FR"/>
           </a:p>
@@ -2395,7 +2383,7 @@
           <a:p>
             <a:fld id="{792077A6-6BFE-45C0-82BA-02D105615553}" type="datetimeFigureOut">
               <a:rPr lang="fr-FR" smtClean="0"/>
-              <a:t>01/12/2014</a:t>
+              <a:t>05/01/2015</a:t>
             </a:fld>
             <a:endParaRPr lang="fr-FR"/>
           </a:p>
@@ -2709,7 +2697,7 @@
           <a:p>
             <a:fld id="{792077A6-6BFE-45C0-82BA-02D105615553}" type="datetimeFigureOut">
               <a:rPr lang="fr-FR" smtClean="0"/>
-              <a:t>01/12/2014</a:t>
+              <a:t>05/01/2015</a:t>
             </a:fld>
             <a:endParaRPr lang="fr-FR"/>
           </a:p>
@@ -3102,7 +3090,7 @@
           <a:p>
             <a:fld id="{792077A6-6BFE-45C0-82BA-02D105615553}" type="datetimeFigureOut">
               <a:rPr lang="fr-FR" smtClean="0"/>
-              <a:t>01/12/2014</a:t>
+              <a:t>05/01/2015</a:t>
             </a:fld>
             <a:endParaRPr lang="fr-FR"/>
           </a:p>
@@ -3272,7 +3260,7 @@
           <a:p>
             <a:fld id="{792077A6-6BFE-45C0-82BA-02D105615553}" type="datetimeFigureOut">
               <a:rPr lang="fr-FR" smtClean="0"/>
-              <a:t>01/12/2014</a:t>
+              <a:t>05/01/2015</a:t>
             </a:fld>
             <a:endParaRPr lang="fr-FR"/>
           </a:p>
@@ -3452,7 +3440,7 @@
           <a:p>
             <a:fld id="{792077A6-6BFE-45C0-82BA-02D105615553}" type="datetimeFigureOut">
               <a:rPr lang="fr-FR" smtClean="0"/>
-              <a:t>01/12/2014</a:t>
+              <a:t>05/01/2015</a:t>
             </a:fld>
             <a:endParaRPr lang="fr-FR"/>
           </a:p>
@@ -3628,7 +3616,7 @@
           <a:p>
             <a:fld id="{792077A6-6BFE-45C0-82BA-02D105615553}" type="datetimeFigureOut">
               <a:rPr lang="fr-FR" smtClean="0"/>
-              <a:t>01/12/2014</a:t>
+              <a:t>05/01/2015</a:t>
             </a:fld>
             <a:endParaRPr lang="fr-FR"/>
           </a:p>
@@ -3875,7 +3863,7 @@
           <a:p>
             <a:fld id="{792077A6-6BFE-45C0-82BA-02D105615553}" type="datetimeFigureOut">
               <a:rPr lang="fr-FR" smtClean="0"/>
-              <a:t>01/12/2014</a:t>
+              <a:t>05/01/2015</a:t>
             </a:fld>
             <a:endParaRPr lang="fr-FR"/>
           </a:p>
@@ -4107,7 +4095,7 @@
           <a:p>
             <a:fld id="{792077A6-6BFE-45C0-82BA-02D105615553}" type="datetimeFigureOut">
               <a:rPr lang="fr-FR" smtClean="0"/>
-              <a:t>01/12/2014</a:t>
+              <a:t>05/01/2015</a:t>
             </a:fld>
             <a:endParaRPr lang="fr-FR"/>
           </a:p>
@@ -4481,7 +4469,7 @@
           <a:p>
             <a:fld id="{792077A6-6BFE-45C0-82BA-02D105615553}" type="datetimeFigureOut">
               <a:rPr lang="fr-FR" smtClean="0"/>
-              <a:t>01/12/2014</a:t>
+              <a:t>05/01/2015</a:t>
             </a:fld>
             <a:endParaRPr lang="fr-FR"/>
           </a:p>
@@ -4604,7 +4592,7 @@
           <a:p>
             <a:fld id="{792077A6-6BFE-45C0-82BA-02D105615553}" type="datetimeFigureOut">
               <a:rPr lang="fr-FR" smtClean="0"/>
-              <a:t>01/12/2014</a:t>
+              <a:t>05/01/2015</a:t>
             </a:fld>
             <a:endParaRPr lang="fr-FR"/>
           </a:p>
@@ -4699,7 +4687,7 @@
           <a:p>
             <a:fld id="{792077A6-6BFE-45C0-82BA-02D105615553}" type="datetimeFigureOut">
               <a:rPr lang="fr-FR" smtClean="0"/>
-              <a:t>01/12/2014</a:t>
+              <a:t>05/01/2015</a:t>
             </a:fld>
             <a:endParaRPr lang="fr-FR"/>
           </a:p>
@@ -4954,7 +4942,7 @@
           <a:p>
             <a:fld id="{792077A6-6BFE-45C0-82BA-02D105615553}" type="datetimeFigureOut">
               <a:rPr lang="fr-FR" smtClean="0"/>
-              <a:t>01/12/2014</a:t>
+              <a:t>05/01/2015</a:t>
             </a:fld>
             <a:endParaRPr lang="fr-FR"/>
           </a:p>
@@ -5217,7 +5205,7 @@
           <a:p>
             <a:fld id="{792077A6-6BFE-45C0-82BA-02D105615553}" type="datetimeFigureOut">
               <a:rPr lang="fr-FR" smtClean="0"/>
-              <a:t>01/12/2014</a:t>
+              <a:t>05/01/2015</a:t>
             </a:fld>
             <a:endParaRPr lang="fr-FR"/>
           </a:p>
@@ -5960,7 +5948,7 @@
           <a:p>
             <a:fld id="{792077A6-6BFE-45C0-82BA-02D105615553}" type="datetimeFigureOut">
               <a:rPr lang="fr-FR" smtClean="0"/>
-              <a:t>01/12/2014</a:t>
+              <a:t>05/01/2015</a:t>
             </a:fld>
             <a:endParaRPr lang="fr-FR"/>
           </a:p>
@@ -6555,270 +6543,6 @@
           </a:p>
           <a:p>
             <a:endParaRPr lang="fr-FR" b="1" i="1" dirty="0"/>
-          </a:p>
-        </p:txBody>
-      </p:sp>
-      <p:sp>
-        <p:nvSpPr>
-          <p:cNvPr id="4" name="Sous-titre 2"/>
-          <p:cNvSpPr txBox="1">
-            <a:spLocks/>
-          </p:cNvSpPr>
-          <p:nvPr/>
-        </p:nvSpPr>
-        <p:spPr>
-          <a:xfrm>
-            <a:off x="238554" y="5848709"/>
-            <a:ext cx="1676511" cy="859058"/>
-          </a:xfrm>
-          <a:prstGeom prst="rect">
-            <a:avLst/>
-          </a:prstGeom>
-        </p:spPr>
-        <p:txBody>
-          <a:bodyPr vert="horz" lIns="91440" tIns="45720" rIns="91440" bIns="45720" rtlCol="0" anchor="t">
-            <a:normAutofit fontScale="62500" lnSpcReduction="20000"/>
-          </a:bodyPr>
-          <a:lstStyle>
-            <a:lvl1pPr marL="0" indent="0" algn="r" defTabSz="457200" rtl="0" eaLnBrk="1" latinLnBrk="0" hangingPunct="1">
-              <a:spcBef>
-                <a:spcPts val="1000"/>
-              </a:spcBef>
-              <a:spcAft>
-                <a:spcPts val="0"/>
-              </a:spcAft>
-              <a:buClr>
-                <a:schemeClr val="accent1"/>
-              </a:buClr>
-              <a:buSzPct val="80000"/>
-              <a:buFont typeface="Wingdings 3" charset="2"/>
-              <a:buNone/>
-              <a:defRPr sz="1800" kern="1200">
-                <a:solidFill>
-                  <a:schemeClr val="tx1">
-                    <a:lumMod val="50000"/>
-                    <a:lumOff val="50000"/>
-                  </a:schemeClr>
-                </a:solidFill>
-                <a:latin typeface="+mn-lt"/>
-                <a:ea typeface="+mn-ea"/>
-                <a:cs typeface="+mn-cs"/>
-              </a:defRPr>
-            </a:lvl1pPr>
-            <a:lvl2pPr marL="457200" indent="0" algn="ctr" defTabSz="457200" rtl="0" eaLnBrk="1" latinLnBrk="0" hangingPunct="1">
-              <a:spcBef>
-                <a:spcPts val="1000"/>
-              </a:spcBef>
-              <a:spcAft>
-                <a:spcPts val="0"/>
-              </a:spcAft>
-              <a:buClr>
-                <a:schemeClr val="accent1"/>
-              </a:buClr>
-              <a:buSzPct val="80000"/>
-              <a:buFont typeface="Wingdings 3" charset="2"/>
-              <a:buNone/>
-              <a:defRPr sz="1600" kern="1200">
-                <a:solidFill>
-                  <a:schemeClr val="tx1">
-                    <a:tint val="75000"/>
-                  </a:schemeClr>
-                </a:solidFill>
-                <a:latin typeface="+mn-lt"/>
-                <a:ea typeface="+mn-ea"/>
-                <a:cs typeface="+mn-cs"/>
-              </a:defRPr>
-            </a:lvl2pPr>
-            <a:lvl3pPr marL="914400" indent="0" algn="ctr" defTabSz="457200" rtl="0" eaLnBrk="1" latinLnBrk="0" hangingPunct="1">
-              <a:spcBef>
-                <a:spcPts val="1000"/>
-              </a:spcBef>
-              <a:spcAft>
-                <a:spcPts val="0"/>
-              </a:spcAft>
-              <a:buClr>
-                <a:schemeClr val="accent1"/>
-              </a:buClr>
-              <a:buSzPct val="80000"/>
-              <a:buFont typeface="Wingdings 3" charset="2"/>
-              <a:buNone/>
-              <a:defRPr sz="1400" kern="1200">
-                <a:solidFill>
-                  <a:schemeClr val="tx1">
-                    <a:tint val="75000"/>
-                  </a:schemeClr>
-                </a:solidFill>
-                <a:latin typeface="+mn-lt"/>
-                <a:ea typeface="+mn-ea"/>
-                <a:cs typeface="+mn-cs"/>
-              </a:defRPr>
-            </a:lvl3pPr>
-            <a:lvl4pPr marL="1371600" indent="0" algn="ctr" defTabSz="457200" rtl="0" eaLnBrk="1" latinLnBrk="0" hangingPunct="1">
-              <a:spcBef>
-                <a:spcPts val="1000"/>
-              </a:spcBef>
-              <a:spcAft>
-                <a:spcPts val="0"/>
-              </a:spcAft>
-              <a:buClr>
-                <a:schemeClr val="accent1"/>
-              </a:buClr>
-              <a:buSzPct val="80000"/>
-              <a:buFont typeface="Wingdings 3" charset="2"/>
-              <a:buNone/>
-              <a:defRPr sz="1200" kern="1200">
-                <a:solidFill>
-                  <a:schemeClr val="tx1">
-                    <a:tint val="75000"/>
-                  </a:schemeClr>
-                </a:solidFill>
-                <a:latin typeface="+mn-lt"/>
-                <a:ea typeface="+mn-ea"/>
-                <a:cs typeface="+mn-cs"/>
-              </a:defRPr>
-            </a:lvl4pPr>
-            <a:lvl5pPr marL="1828800" indent="0" algn="ctr" defTabSz="457200" rtl="0" eaLnBrk="1" latinLnBrk="0" hangingPunct="1">
-              <a:spcBef>
-                <a:spcPts val="1000"/>
-              </a:spcBef>
-              <a:spcAft>
-                <a:spcPts val="0"/>
-              </a:spcAft>
-              <a:buClr>
-                <a:schemeClr val="accent1"/>
-              </a:buClr>
-              <a:buSzPct val="80000"/>
-              <a:buFont typeface="Wingdings 3" charset="2"/>
-              <a:buNone/>
-              <a:defRPr sz="1200" kern="1200">
-                <a:solidFill>
-                  <a:schemeClr val="tx1">
-                    <a:tint val="75000"/>
-                  </a:schemeClr>
-                </a:solidFill>
-                <a:latin typeface="+mn-lt"/>
-                <a:ea typeface="+mn-ea"/>
-                <a:cs typeface="+mn-cs"/>
-              </a:defRPr>
-            </a:lvl5pPr>
-            <a:lvl6pPr marL="2286000" indent="0" algn="ctr" defTabSz="457200" rtl="0" eaLnBrk="1" latinLnBrk="0" hangingPunct="1">
-              <a:spcBef>
-                <a:spcPts val="1000"/>
-              </a:spcBef>
-              <a:spcAft>
-                <a:spcPts val="0"/>
-              </a:spcAft>
-              <a:buClr>
-                <a:schemeClr val="accent1"/>
-              </a:buClr>
-              <a:buSzPct val="80000"/>
-              <a:buFont typeface="Wingdings 3" charset="2"/>
-              <a:buNone/>
-              <a:defRPr sz="1200" kern="1200">
-                <a:solidFill>
-                  <a:schemeClr val="tx1">
-                    <a:tint val="75000"/>
-                  </a:schemeClr>
-                </a:solidFill>
-                <a:latin typeface="+mn-lt"/>
-                <a:ea typeface="+mn-ea"/>
-                <a:cs typeface="+mn-cs"/>
-              </a:defRPr>
-            </a:lvl6pPr>
-            <a:lvl7pPr marL="2743200" indent="0" algn="ctr" defTabSz="457200" rtl="0" eaLnBrk="1" latinLnBrk="0" hangingPunct="1">
-              <a:spcBef>
-                <a:spcPts val="1000"/>
-              </a:spcBef>
-              <a:spcAft>
-                <a:spcPts val="0"/>
-              </a:spcAft>
-              <a:buClr>
-                <a:schemeClr val="accent1"/>
-              </a:buClr>
-              <a:buSzPct val="80000"/>
-              <a:buFont typeface="Wingdings 3" charset="2"/>
-              <a:buNone/>
-              <a:defRPr sz="1200" kern="1200">
-                <a:solidFill>
-                  <a:schemeClr val="tx1">
-                    <a:tint val="75000"/>
-                  </a:schemeClr>
-                </a:solidFill>
-                <a:latin typeface="+mn-lt"/>
-                <a:ea typeface="+mn-ea"/>
-                <a:cs typeface="+mn-cs"/>
-              </a:defRPr>
-            </a:lvl7pPr>
-            <a:lvl8pPr marL="3200400" indent="0" algn="ctr" defTabSz="457200" rtl="0" eaLnBrk="1" latinLnBrk="0" hangingPunct="1">
-              <a:spcBef>
-                <a:spcPts val="1000"/>
-              </a:spcBef>
-              <a:spcAft>
-                <a:spcPts val="0"/>
-              </a:spcAft>
-              <a:buClr>
-                <a:schemeClr val="accent1"/>
-              </a:buClr>
-              <a:buSzPct val="80000"/>
-              <a:buFont typeface="Wingdings 3" charset="2"/>
-              <a:buNone/>
-              <a:defRPr sz="1200" kern="1200">
-                <a:solidFill>
-                  <a:schemeClr val="tx1">
-                    <a:tint val="75000"/>
-                  </a:schemeClr>
-                </a:solidFill>
-                <a:latin typeface="+mn-lt"/>
-                <a:ea typeface="+mn-ea"/>
-                <a:cs typeface="+mn-cs"/>
-              </a:defRPr>
-            </a:lvl8pPr>
-            <a:lvl9pPr marL="3657600" indent="0" algn="ctr" defTabSz="457200" rtl="0" eaLnBrk="1" latinLnBrk="0" hangingPunct="1">
-              <a:spcBef>
-                <a:spcPts val="1000"/>
-              </a:spcBef>
-              <a:spcAft>
-                <a:spcPts val="0"/>
-              </a:spcAft>
-              <a:buClr>
-                <a:schemeClr val="accent1"/>
-              </a:buClr>
-              <a:buSzPct val="80000"/>
-              <a:buFont typeface="Wingdings 3" charset="2"/>
-              <a:buNone/>
-              <a:defRPr sz="1200" kern="1200">
-                <a:solidFill>
-                  <a:schemeClr val="tx1">
-                    <a:tint val="75000"/>
-                  </a:schemeClr>
-                </a:solidFill>
-                <a:latin typeface="+mn-lt"/>
-                <a:ea typeface="+mn-ea"/>
-                <a:cs typeface="+mn-cs"/>
-              </a:defRPr>
-            </a:lvl9pPr>
-          </a:lstStyle>
-          <a:p>
-            <a:pPr algn="l"/>
-            <a:r>
-              <a:rPr lang="fr-FR" dirty="0" smtClean="0"/>
-              <a:t>BOSVAL Florian</a:t>
-            </a:r>
-          </a:p>
-          <a:p>
-            <a:pPr algn="l"/>
-            <a:r>
-              <a:rPr lang="fr-FR" dirty="0" smtClean="0"/>
-              <a:t>DA SILVA GOMES Adrien</a:t>
-            </a:r>
-          </a:p>
-          <a:p>
-            <a:pPr algn="l"/>
-            <a:r>
-              <a:rPr lang="fr-FR" dirty="0" smtClean="0"/>
-              <a:t>MARCHAND Brice</a:t>
-            </a:r>
-            <a:endParaRPr lang="fr-FR" dirty="0"/>
           </a:p>
         </p:txBody>
       </p:sp>
